--- a/nexacro/document/portfolio/12. 빅데이터 플랫폼 요구사항 분석_김용선.pptx
+++ b/nexacro/document/portfolio/12. 빅데이터 플랫폼 요구사항 분석_김용선.pptx
@@ -8,7 +8,12 @@
     <p:sldId id="257" r:id="rId2"/>
     <p:sldId id="259" r:id="rId3"/>
     <p:sldId id="261" r:id="rId4"/>
-    <p:sldId id="260" r:id="rId5"/>
+    <p:sldId id="262" r:id="rId5"/>
+    <p:sldId id="263" r:id="rId6"/>
+    <p:sldId id="264" r:id="rId7"/>
+    <p:sldId id="265" r:id="rId8"/>
+    <p:sldId id="267" r:id="rId9"/>
+    <p:sldId id="260" r:id="rId10"/>
   </p:sldIdLst>
   <p:sldSz cx="12192000" cy="6858000"/>
   <p:notesSz cx="6858000" cy="9144000"/>
@@ -246,7 +251,7 @@
           <a:p>
             <a:fld id="{45F1DDC3-B7BD-4EEB-9F05-6036D6DD3E70}" type="datetimeFigureOut">
               <a:rPr lang="ko-KR" altLang="en-US" smtClean="0"/>
-              <a:t>2020-07-13</a:t>
+              <a:t>2020-07-14</a:t>
             </a:fld>
             <a:endParaRPr lang="ko-KR" altLang="en-US"/>
           </a:p>
@@ -416,7 +421,7 @@
           <a:p>
             <a:fld id="{45F1DDC3-B7BD-4EEB-9F05-6036D6DD3E70}" type="datetimeFigureOut">
               <a:rPr lang="ko-KR" altLang="en-US" smtClean="0"/>
-              <a:t>2020-07-13</a:t>
+              <a:t>2020-07-14</a:t>
             </a:fld>
             <a:endParaRPr lang="ko-KR" altLang="en-US"/>
           </a:p>
@@ -596,7 +601,7 @@
           <a:p>
             <a:fld id="{45F1DDC3-B7BD-4EEB-9F05-6036D6DD3E70}" type="datetimeFigureOut">
               <a:rPr lang="ko-KR" altLang="en-US" smtClean="0"/>
-              <a:t>2020-07-13</a:t>
+              <a:t>2020-07-14</a:t>
             </a:fld>
             <a:endParaRPr lang="ko-KR" altLang="en-US"/>
           </a:p>
@@ -766,7 +771,7 @@
           <a:p>
             <a:fld id="{45F1DDC3-B7BD-4EEB-9F05-6036D6DD3E70}" type="datetimeFigureOut">
               <a:rPr lang="ko-KR" altLang="en-US" smtClean="0"/>
-              <a:t>2020-07-13</a:t>
+              <a:t>2020-07-14</a:t>
             </a:fld>
             <a:endParaRPr lang="ko-KR" altLang="en-US"/>
           </a:p>
@@ -1012,7 +1017,7 @@
           <a:p>
             <a:fld id="{45F1DDC3-B7BD-4EEB-9F05-6036D6DD3E70}" type="datetimeFigureOut">
               <a:rPr lang="ko-KR" altLang="en-US" smtClean="0"/>
-              <a:t>2020-07-13</a:t>
+              <a:t>2020-07-14</a:t>
             </a:fld>
             <a:endParaRPr lang="ko-KR" altLang="en-US"/>
           </a:p>
@@ -1244,7 +1249,7 @@
           <a:p>
             <a:fld id="{45F1DDC3-B7BD-4EEB-9F05-6036D6DD3E70}" type="datetimeFigureOut">
               <a:rPr lang="ko-KR" altLang="en-US" smtClean="0"/>
-              <a:t>2020-07-13</a:t>
+              <a:t>2020-07-14</a:t>
             </a:fld>
             <a:endParaRPr lang="ko-KR" altLang="en-US"/>
           </a:p>
@@ -1611,7 +1616,7 @@
           <a:p>
             <a:fld id="{45F1DDC3-B7BD-4EEB-9F05-6036D6DD3E70}" type="datetimeFigureOut">
               <a:rPr lang="ko-KR" altLang="en-US" smtClean="0"/>
-              <a:t>2020-07-13</a:t>
+              <a:t>2020-07-14</a:t>
             </a:fld>
             <a:endParaRPr lang="ko-KR" altLang="en-US"/>
           </a:p>
@@ -1729,7 +1734,7 @@
           <a:p>
             <a:fld id="{45F1DDC3-B7BD-4EEB-9F05-6036D6DD3E70}" type="datetimeFigureOut">
               <a:rPr lang="ko-KR" altLang="en-US" smtClean="0"/>
-              <a:t>2020-07-13</a:t>
+              <a:t>2020-07-14</a:t>
             </a:fld>
             <a:endParaRPr lang="ko-KR" altLang="en-US"/>
           </a:p>
@@ -1824,7 +1829,7 @@
           <a:p>
             <a:fld id="{45F1DDC3-B7BD-4EEB-9F05-6036D6DD3E70}" type="datetimeFigureOut">
               <a:rPr lang="ko-KR" altLang="en-US" smtClean="0"/>
-              <a:t>2020-07-13</a:t>
+              <a:t>2020-07-14</a:t>
             </a:fld>
             <a:endParaRPr lang="ko-KR" altLang="en-US"/>
           </a:p>
@@ -2101,7 +2106,7 @@
           <a:p>
             <a:fld id="{45F1DDC3-B7BD-4EEB-9F05-6036D6DD3E70}" type="datetimeFigureOut">
               <a:rPr lang="ko-KR" altLang="en-US" smtClean="0"/>
-              <a:t>2020-07-13</a:t>
+              <a:t>2020-07-14</a:t>
             </a:fld>
             <a:endParaRPr lang="ko-KR" altLang="en-US"/>
           </a:p>
@@ -2354,7 +2359,7 @@
           <a:p>
             <a:fld id="{45F1DDC3-B7BD-4EEB-9F05-6036D6DD3E70}" type="datetimeFigureOut">
               <a:rPr lang="ko-KR" altLang="en-US" smtClean="0"/>
-              <a:t>2020-07-13</a:t>
+              <a:t>2020-07-14</a:t>
             </a:fld>
             <a:endParaRPr lang="ko-KR" altLang="en-US"/>
           </a:p>
@@ -2572,7 +2577,7 @@
           <a:p>
             <a:fld id="{45F1DDC3-B7BD-4EEB-9F05-6036D6DD3E70}" type="datetimeFigureOut">
               <a:rPr lang="ko-KR" altLang="en-US" smtClean="0"/>
-              <a:t>2020-07-13</a:t>
+              <a:t>2020-07-14</a:t>
             </a:fld>
             <a:endParaRPr lang="ko-KR" altLang="en-US"/>
           </a:p>
@@ -3642,6 +3647,1064 @@
         </p:nvSpPr>
         <p:spPr>
           <a:xfrm>
+            <a:off x="0" y="0"/>
+            <a:ext cx="12192000" cy="800100"/>
+          </a:xfrm>
+          <a:prstGeom prst="rect">
+            <a:avLst/>
+          </a:prstGeom>
+          <a:solidFill>
+            <a:srgbClr val="152B39"/>
+          </a:solidFill>
+          <a:ln>
+            <a:noFill/>
+          </a:ln>
+        </p:spPr>
+        <p:style>
+          <a:lnRef idx="2">
+            <a:schemeClr val="accent1">
+              <a:shade val="50000"/>
+            </a:schemeClr>
+          </a:lnRef>
+          <a:fillRef idx="1">
+            <a:schemeClr val="accent1"/>
+          </a:fillRef>
+          <a:effectRef idx="0">
+            <a:schemeClr val="accent1"/>
+          </a:effectRef>
+          <a:fontRef idx="minor">
+            <a:schemeClr val="lt1"/>
+          </a:fontRef>
+        </p:style>
+        <p:txBody>
+          <a:bodyPr rtlCol="0" anchor="ctr"/>
+          <a:lstStyle/>
+          <a:p>
+            <a:pPr algn="ctr"/>
+            <a:endParaRPr lang="ko-KR" altLang="en-US"/>
+          </a:p>
+        </p:txBody>
+      </p:sp>
+      <p:sp>
+        <p:nvSpPr>
+          <p:cNvPr id="15" name="TextBox 14"/>
+          <p:cNvSpPr txBox="1"/>
+          <p:nvPr/>
+        </p:nvSpPr>
+        <p:spPr>
+          <a:xfrm>
+            <a:off x="224642" y="107662"/>
+            <a:ext cx="7136278" cy="584775"/>
+          </a:xfrm>
+          <a:prstGeom prst="rect">
+            <a:avLst/>
+          </a:prstGeom>
+          <a:noFill/>
+        </p:spPr>
+        <p:txBody>
+          <a:bodyPr wrap="square" rtlCol="0">
+            <a:spAutoFit/>
+          </a:bodyPr>
+          <a:lstStyle/>
+          <a:p>
+            <a:r>
+              <a:rPr lang="en-US" altLang="ko-KR" sz="3200" dirty="0" smtClean="0">
+                <a:ln>
+                  <a:solidFill>
+                    <a:schemeClr val="bg1">
+                      <a:alpha val="15000"/>
+                    </a:schemeClr>
+                  </a:solidFill>
+                </a:ln>
+                <a:solidFill>
+                  <a:schemeClr val="bg1"/>
+                </a:solidFill>
+                <a:latin typeface="KoPub돋움체 Medium" panose="00000600000000000000" pitchFamily="2" charset="-127"/>
+                <a:ea typeface="KoPub돋움체 Medium" panose="00000600000000000000" pitchFamily="2" charset="-127"/>
+              </a:rPr>
+              <a:t>Controller code</a:t>
+            </a:r>
+            <a:endParaRPr lang="ko-KR" altLang="en-US" sz="3200" dirty="0">
+              <a:ln>
+                <a:solidFill>
+                  <a:schemeClr val="bg1">
+                    <a:alpha val="15000"/>
+                  </a:schemeClr>
+                </a:solidFill>
+              </a:ln>
+              <a:solidFill>
+                <a:schemeClr val="bg1"/>
+              </a:solidFill>
+              <a:latin typeface="KoPub돋움체 Medium" panose="00000600000000000000" pitchFamily="2" charset="-127"/>
+              <a:ea typeface="KoPub돋움체 Medium" panose="00000600000000000000" pitchFamily="2" charset="-127"/>
+            </a:endParaRPr>
+          </a:p>
+        </p:txBody>
+      </p:sp>
+      <p:pic>
+        <p:nvPicPr>
+          <p:cNvPr id="4" name="그림 3"/>
+          <p:cNvPicPr>
+            <a:picLocks noChangeAspect="1"/>
+          </p:cNvPicPr>
+          <p:nvPr/>
+        </p:nvPicPr>
+        <p:blipFill>
+          <a:blip r:embed="rId2">
+            <a:extLst>
+              <a:ext uri="{28A0092B-C50C-407E-A947-70E740481C1C}">
+                <a14:useLocalDpi xmlns:a14="http://schemas.microsoft.com/office/drawing/2010/main" val="0"/>
+              </a:ext>
+            </a:extLst>
+          </a:blip>
+          <a:stretch>
+            <a:fillRect/>
+          </a:stretch>
+        </p:blipFill>
+        <p:spPr>
+          <a:xfrm>
+            <a:off x="0" y="800098"/>
+            <a:ext cx="12192000" cy="6057901"/>
+          </a:xfrm>
+          <a:prstGeom prst="rect">
+            <a:avLst/>
+          </a:prstGeom>
+        </p:spPr>
+      </p:pic>
+    </p:spTree>
+    <p:extLst>
+      <p:ext uri="{BB962C8B-B14F-4D97-AF65-F5344CB8AC3E}">
+        <p14:creationId xmlns:p14="http://schemas.microsoft.com/office/powerpoint/2010/main" val="2503345135"/>
+      </p:ext>
+    </p:extLst>
+  </p:cSld>
+  <p:clrMapOvr>
+    <a:masterClrMapping/>
+  </p:clrMapOvr>
+</p:sld>
+</file>
+
+<file path=ppt/slides/slide5.xml><?xml version="1.0" encoding="utf-8"?>
+<p:sld xmlns:a="http://schemas.openxmlformats.org/drawingml/2006/main" xmlns:r="http://schemas.openxmlformats.org/officeDocument/2006/relationships" xmlns:p="http://schemas.openxmlformats.org/presentationml/2006/main">
+  <p:cSld>
+    <p:spTree>
+      <p:nvGrpSpPr>
+        <p:cNvPr id="1" name=""/>
+        <p:cNvGrpSpPr/>
+        <p:nvPr/>
+      </p:nvGrpSpPr>
+      <p:grpSpPr>
+        <a:xfrm>
+          <a:off x="0" y="0"/>
+          <a:ext cx="0" cy="0"/>
+          <a:chOff x="0" y="0"/>
+          <a:chExt cx="0" cy="0"/>
+        </a:xfrm>
+      </p:grpSpPr>
+      <p:sp>
+        <p:nvSpPr>
+          <p:cNvPr id="13" name="직사각형 12"/>
+          <p:cNvSpPr/>
+          <p:nvPr/>
+        </p:nvSpPr>
+        <p:spPr>
+          <a:xfrm>
+            <a:off x="0" y="0"/>
+            <a:ext cx="12192000" cy="800100"/>
+          </a:xfrm>
+          <a:prstGeom prst="rect">
+            <a:avLst/>
+          </a:prstGeom>
+          <a:solidFill>
+            <a:srgbClr val="152B39"/>
+          </a:solidFill>
+          <a:ln>
+            <a:noFill/>
+          </a:ln>
+        </p:spPr>
+        <p:style>
+          <a:lnRef idx="2">
+            <a:schemeClr val="accent1">
+              <a:shade val="50000"/>
+            </a:schemeClr>
+          </a:lnRef>
+          <a:fillRef idx="1">
+            <a:schemeClr val="accent1"/>
+          </a:fillRef>
+          <a:effectRef idx="0">
+            <a:schemeClr val="accent1"/>
+          </a:effectRef>
+          <a:fontRef idx="minor">
+            <a:schemeClr val="lt1"/>
+          </a:fontRef>
+        </p:style>
+        <p:txBody>
+          <a:bodyPr rtlCol="0" anchor="ctr"/>
+          <a:lstStyle/>
+          <a:p>
+            <a:pPr algn="ctr"/>
+            <a:endParaRPr lang="ko-KR" altLang="en-US"/>
+          </a:p>
+        </p:txBody>
+      </p:sp>
+      <p:sp>
+        <p:nvSpPr>
+          <p:cNvPr id="15" name="TextBox 14"/>
+          <p:cNvSpPr txBox="1"/>
+          <p:nvPr/>
+        </p:nvSpPr>
+        <p:spPr>
+          <a:xfrm>
+            <a:off x="224642" y="107662"/>
+            <a:ext cx="7136278" cy="584775"/>
+          </a:xfrm>
+          <a:prstGeom prst="rect">
+            <a:avLst/>
+          </a:prstGeom>
+          <a:noFill/>
+        </p:spPr>
+        <p:txBody>
+          <a:bodyPr wrap="square" rtlCol="0">
+            <a:spAutoFit/>
+          </a:bodyPr>
+          <a:lstStyle/>
+          <a:p>
+            <a:r>
+              <a:rPr lang="en-US" altLang="ko-KR" sz="3200" dirty="0" smtClean="0">
+                <a:ln>
+                  <a:solidFill>
+                    <a:schemeClr val="bg1">
+                      <a:alpha val="15000"/>
+                    </a:schemeClr>
+                  </a:solidFill>
+                </a:ln>
+                <a:solidFill>
+                  <a:schemeClr val="bg1"/>
+                </a:solidFill>
+                <a:latin typeface="KoPub돋움체 Medium" panose="00000600000000000000" pitchFamily="2" charset="-127"/>
+                <a:ea typeface="KoPub돋움체 Medium" panose="00000600000000000000" pitchFamily="2" charset="-127"/>
+              </a:rPr>
+              <a:t>Dao &amp; Mapper code</a:t>
+            </a:r>
+            <a:endParaRPr lang="ko-KR" altLang="en-US" sz="3200" dirty="0">
+              <a:ln>
+                <a:solidFill>
+                  <a:schemeClr val="bg1">
+                    <a:alpha val="15000"/>
+                  </a:schemeClr>
+                </a:solidFill>
+              </a:ln>
+              <a:solidFill>
+                <a:schemeClr val="bg1"/>
+              </a:solidFill>
+              <a:latin typeface="KoPub돋움체 Medium" panose="00000600000000000000" pitchFamily="2" charset="-127"/>
+              <a:ea typeface="KoPub돋움체 Medium" panose="00000600000000000000" pitchFamily="2" charset="-127"/>
+            </a:endParaRPr>
+          </a:p>
+        </p:txBody>
+      </p:sp>
+      <p:pic>
+        <p:nvPicPr>
+          <p:cNvPr id="2" name="그림 1"/>
+          <p:cNvPicPr>
+            <a:picLocks noChangeAspect="1"/>
+          </p:cNvPicPr>
+          <p:nvPr/>
+        </p:nvPicPr>
+        <p:blipFill>
+          <a:blip r:embed="rId2">
+            <a:extLst>
+              <a:ext uri="{28A0092B-C50C-407E-A947-70E740481C1C}">
+                <a14:useLocalDpi xmlns:a14="http://schemas.microsoft.com/office/drawing/2010/main" val="0"/>
+              </a:ext>
+            </a:extLst>
+          </a:blip>
+          <a:stretch>
+            <a:fillRect/>
+          </a:stretch>
+        </p:blipFill>
+        <p:spPr>
+          <a:xfrm>
+            <a:off x="224642" y="2917322"/>
+            <a:ext cx="8912303" cy="1733700"/>
+          </a:xfrm>
+          <a:prstGeom prst="rect">
+            <a:avLst/>
+          </a:prstGeom>
+        </p:spPr>
+      </p:pic>
+      <p:pic>
+        <p:nvPicPr>
+          <p:cNvPr id="3" name="그림 2"/>
+          <p:cNvPicPr>
+            <a:picLocks noChangeAspect="1"/>
+          </p:cNvPicPr>
+          <p:nvPr/>
+        </p:nvPicPr>
+        <p:blipFill>
+          <a:blip r:embed="rId3">
+            <a:extLst>
+              <a:ext uri="{28A0092B-C50C-407E-A947-70E740481C1C}">
+                <a14:useLocalDpi xmlns:a14="http://schemas.microsoft.com/office/drawing/2010/main" val="0"/>
+              </a:ext>
+            </a:extLst>
+          </a:blip>
+          <a:stretch>
+            <a:fillRect/>
+          </a:stretch>
+        </p:blipFill>
+        <p:spPr>
+          <a:xfrm>
+            <a:off x="224642" y="1313269"/>
+            <a:ext cx="6701146" cy="1090884"/>
+          </a:xfrm>
+          <a:prstGeom prst="rect">
+            <a:avLst/>
+          </a:prstGeom>
+        </p:spPr>
+      </p:pic>
+    </p:spTree>
+    <p:extLst>
+      <p:ext uri="{BB962C8B-B14F-4D97-AF65-F5344CB8AC3E}">
+        <p14:creationId xmlns:p14="http://schemas.microsoft.com/office/powerpoint/2010/main" val="3497584122"/>
+      </p:ext>
+    </p:extLst>
+  </p:cSld>
+  <p:clrMapOvr>
+    <a:masterClrMapping/>
+  </p:clrMapOvr>
+</p:sld>
+</file>
+
+<file path=ppt/slides/slide6.xml><?xml version="1.0" encoding="utf-8"?>
+<p:sld xmlns:a="http://schemas.openxmlformats.org/drawingml/2006/main" xmlns:r="http://schemas.openxmlformats.org/officeDocument/2006/relationships" xmlns:p="http://schemas.openxmlformats.org/presentationml/2006/main">
+  <p:cSld>
+    <p:spTree>
+      <p:nvGrpSpPr>
+        <p:cNvPr id="1" name=""/>
+        <p:cNvGrpSpPr/>
+        <p:nvPr/>
+      </p:nvGrpSpPr>
+      <p:grpSpPr>
+        <a:xfrm>
+          <a:off x="0" y="0"/>
+          <a:ext cx="0" cy="0"/>
+          <a:chOff x="0" y="0"/>
+          <a:chExt cx="0" cy="0"/>
+        </a:xfrm>
+      </p:grpSpPr>
+      <p:sp>
+        <p:nvSpPr>
+          <p:cNvPr id="13" name="직사각형 12"/>
+          <p:cNvSpPr/>
+          <p:nvPr/>
+        </p:nvSpPr>
+        <p:spPr>
+          <a:xfrm>
+            <a:off x="0" y="0"/>
+            <a:ext cx="12192000" cy="800100"/>
+          </a:xfrm>
+          <a:prstGeom prst="rect">
+            <a:avLst/>
+          </a:prstGeom>
+          <a:solidFill>
+            <a:srgbClr val="152B39"/>
+          </a:solidFill>
+          <a:ln>
+            <a:noFill/>
+          </a:ln>
+        </p:spPr>
+        <p:style>
+          <a:lnRef idx="2">
+            <a:schemeClr val="accent1">
+              <a:shade val="50000"/>
+            </a:schemeClr>
+          </a:lnRef>
+          <a:fillRef idx="1">
+            <a:schemeClr val="accent1"/>
+          </a:fillRef>
+          <a:effectRef idx="0">
+            <a:schemeClr val="accent1"/>
+          </a:effectRef>
+          <a:fontRef idx="minor">
+            <a:schemeClr val="lt1"/>
+          </a:fontRef>
+        </p:style>
+        <p:txBody>
+          <a:bodyPr rtlCol="0" anchor="ctr"/>
+          <a:lstStyle/>
+          <a:p>
+            <a:pPr algn="ctr"/>
+            <a:endParaRPr lang="ko-KR" altLang="en-US"/>
+          </a:p>
+        </p:txBody>
+      </p:sp>
+      <p:sp>
+        <p:nvSpPr>
+          <p:cNvPr id="15" name="TextBox 14"/>
+          <p:cNvSpPr txBox="1"/>
+          <p:nvPr/>
+        </p:nvSpPr>
+        <p:spPr>
+          <a:xfrm>
+            <a:off x="224642" y="107662"/>
+            <a:ext cx="7136278" cy="584775"/>
+          </a:xfrm>
+          <a:prstGeom prst="rect">
+            <a:avLst/>
+          </a:prstGeom>
+          <a:noFill/>
+        </p:spPr>
+        <p:txBody>
+          <a:bodyPr wrap="square" rtlCol="0">
+            <a:spAutoFit/>
+          </a:bodyPr>
+          <a:lstStyle/>
+          <a:p>
+            <a:r>
+              <a:rPr lang="en-US" altLang="ko-KR" sz="3200" dirty="0" smtClean="0">
+                <a:ln>
+                  <a:solidFill>
+                    <a:schemeClr val="bg1">
+                      <a:alpha val="15000"/>
+                    </a:schemeClr>
+                  </a:solidFill>
+                </a:ln>
+                <a:solidFill>
+                  <a:schemeClr val="bg1"/>
+                </a:solidFill>
+                <a:latin typeface="KoPub돋움체 Medium" panose="00000600000000000000" pitchFamily="2" charset="-127"/>
+                <a:ea typeface="KoPub돋움체 Medium" panose="00000600000000000000" pitchFamily="2" charset="-127"/>
+              </a:rPr>
+              <a:t>JSP code</a:t>
+            </a:r>
+            <a:endParaRPr lang="ko-KR" altLang="en-US" sz="3200" dirty="0">
+              <a:ln>
+                <a:solidFill>
+                  <a:schemeClr val="bg1">
+                    <a:alpha val="15000"/>
+                  </a:schemeClr>
+                </a:solidFill>
+              </a:ln>
+              <a:solidFill>
+                <a:schemeClr val="bg1"/>
+              </a:solidFill>
+              <a:latin typeface="KoPub돋움체 Medium" panose="00000600000000000000" pitchFamily="2" charset="-127"/>
+              <a:ea typeface="KoPub돋움체 Medium" panose="00000600000000000000" pitchFamily="2" charset="-127"/>
+            </a:endParaRPr>
+          </a:p>
+        </p:txBody>
+      </p:sp>
+      <p:pic>
+        <p:nvPicPr>
+          <p:cNvPr id="4" name="그림 3"/>
+          <p:cNvPicPr>
+            <a:picLocks noChangeAspect="1"/>
+          </p:cNvPicPr>
+          <p:nvPr/>
+        </p:nvPicPr>
+        <p:blipFill>
+          <a:blip r:embed="rId2">
+            <a:extLst>
+              <a:ext uri="{28A0092B-C50C-407E-A947-70E740481C1C}">
+                <a14:useLocalDpi xmlns:a14="http://schemas.microsoft.com/office/drawing/2010/main" val="0"/>
+              </a:ext>
+            </a:extLst>
+          </a:blip>
+          <a:stretch>
+            <a:fillRect/>
+          </a:stretch>
+        </p:blipFill>
+        <p:spPr>
+          <a:xfrm>
+            <a:off x="0" y="800098"/>
+            <a:ext cx="12192000" cy="6028355"/>
+          </a:xfrm>
+          <a:prstGeom prst="rect">
+            <a:avLst/>
+          </a:prstGeom>
+        </p:spPr>
+      </p:pic>
+    </p:spTree>
+    <p:extLst>
+      <p:ext uri="{BB962C8B-B14F-4D97-AF65-F5344CB8AC3E}">
+        <p14:creationId xmlns:p14="http://schemas.microsoft.com/office/powerpoint/2010/main" val="3884530534"/>
+      </p:ext>
+    </p:extLst>
+  </p:cSld>
+  <p:clrMapOvr>
+    <a:masterClrMapping/>
+  </p:clrMapOvr>
+</p:sld>
+</file>
+
+<file path=ppt/slides/slide7.xml><?xml version="1.0" encoding="utf-8"?>
+<p:sld xmlns:a="http://schemas.openxmlformats.org/drawingml/2006/main" xmlns:r="http://schemas.openxmlformats.org/officeDocument/2006/relationships" xmlns:p="http://schemas.openxmlformats.org/presentationml/2006/main">
+  <p:cSld>
+    <p:spTree>
+      <p:nvGrpSpPr>
+        <p:cNvPr id="1" name=""/>
+        <p:cNvGrpSpPr/>
+        <p:nvPr/>
+      </p:nvGrpSpPr>
+      <p:grpSpPr>
+        <a:xfrm>
+          <a:off x="0" y="0"/>
+          <a:ext cx="0" cy="0"/>
+          <a:chOff x="0" y="0"/>
+          <a:chExt cx="0" cy="0"/>
+        </a:xfrm>
+      </p:grpSpPr>
+      <p:sp>
+        <p:nvSpPr>
+          <p:cNvPr id="13" name="직사각형 12"/>
+          <p:cNvSpPr/>
+          <p:nvPr/>
+        </p:nvSpPr>
+        <p:spPr>
+          <a:xfrm>
+            <a:off x="0" y="0"/>
+            <a:ext cx="12192000" cy="800100"/>
+          </a:xfrm>
+          <a:prstGeom prst="rect">
+            <a:avLst/>
+          </a:prstGeom>
+          <a:solidFill>
+            <a:srgbClr val="152B39"/>
+          </a:solidFill>
+          <a:ln>
+            <a:noFill/>
+          </a:ln>
+        </p:spPr>
+        <p:style>
+          <a:lnRef idx="2">
+            <a:schemeClr val="accent1">
+              <a:shade val="50000"/>
+            </a:schemeClr>
+          </a:lnRef>
+          <a:fillRef idx="1">
+            <a:schemeClr val="accent1"/>
+          </a:fillRef>
+          <a:effectRef idx="0">
+            <a:schemeClr val="accent1"/>
+          </a:effectRef>
+          <a:fontRef idx="minor">
+            <a:schemeClr val="lt1"/>
+          </a:fontRef>
+        </p:style>
+        <p:txBody>
+          <a:bodyPr rtlCol="0" anchor="ctr"/>
+          <a:lstStyle/>
+          <a:p>
+            <a:pPr algn="ctr"/>
+            <a:endParaRPr lang="ko-KR" altLang="en-US"/>
+          </a:p>
+        </p:txBody>
+      </p:sp>
+      <p:sp>
+        <p:nvSpPr>
+          <p:cNvPr id="15" name="TextBox 14"/>
+          <p:cNvSpPr txBox="1"/>
+          <p:nvPr/>
+        </p:nvSpPr>
+        <p:spPr>
+          <a:xfrm>
+            <a:off x="224642" y="107662"/>
+            <a:ext cx="7136278" cy="584775"/>
+          </a:xfrm>
+          <a:prstGeom prst="rect">
+            <a:avLst/>
+          </a:prstGeom>
+          <a:noFill/>
+        </p:spPr>
+        <p:txBody>
+          <a:bodyPr wrap="square" rtlCol="0">
+            <a:spAutoFit/>
+          </a:bodyPr>
+          <a:lstStyle/>
+          <a:p>
+            <a:r>
+              <a:rPr lang="ko-KR" altLang="en-US" sz="3200" dirty="0" smtClean="0">
+                <a:ln>
+                  <a:solidFill>
+                    <a:schemeClr val="bg1">
+                      <a:alpha val="15000"/>
+                    </a:schemeClr>
+                  </a:solidFill>
+                </a:ln>
+                <a:solidFill>
+                  <a:schemeClr val="bg1"/>
+                </a:solidFill>
+                <a:latin typeface="KoPub돋움체 Medium" panose="00000600000000000000" pitchFamily="2" charset="-127"/>
+                <a:ea typeface="KoPub돋움체 Medium" panose="00000600000000000000" pitchFamily="2" charset="-127"/>
+              </a:rPr>
+              <a:t>화면</a:t>
+            </a:r>
+            <a:r>
+              <a:rPr lang="en-US" altLang="ko-KR" sz="3200" dirty="0" smtClean="0">
+                <a:ln>
+                  <a:solidFill>
+                    <a:schemeClr val="bg1">
+                      <a:alpha val="15000"/>
+                    </a:schemeClr>
+                  </a:solidFill>
+                </a:ln>
+                <a:solidFill>
+                  <a:schemeClr val="bg1"/>
+                </a:solidFill>
+                <a:latin typeface="KoPub돋움체 Medium" panose="00000600000000000000" pitchFamily="2" charset="-127"/>
+                <a:ea typeface="KoPub돋움체 Medium" panose="00000600000000000000" pitchFamily="2" charset="-127"/>
+              </a:rPr>
+              <a:t>_01</a:t>
+            </a:r>
+            <a:endParaRPr lang="ko-KR" altLang="en-US" sz="3200" dirty="0">
+              <a:ln>
+                <a:solidFill>
+                  <a:schemeClr val="bg1">
+                    <a:alpha val="15000"/>
+                  </a:schemeClr>
+                </a:solidFill>
+              </a:ln>
+              <a:solidFill>
+                <a:schemeClr val="bg1"/>
+              </a:solidFill>
+              <a:latin typeface="KoPub돋움체 Medium" panose="00000600000000000000" pitchFamily="2" charset="-127"/>
+              <a:ea typeface="KoPub돋움체 Medium" panose="00000600000000000000" pitchFamily="2" charset="-127"/>
+            </a:endParaRPr>
+          </a:p>
+        </p:txBody>
+      </p:sp>
+      <p:pic>
+        <p:nvPicPr>
+          <p:cNvPr id="2" name="그림 1"/>
+          <p:cNvPicPr>
+            <a:picLocks noChangeAspect="1"/>
+          </p:cNvPicPr>
+          <p:nvPr/>
+        </p:nvPicPr>
+        <p:blipFill>
+          <a:blip r:embed="rId2">
+            <a:extLst>
+              <a:ext uri="{28A0092B-C50C-407E-A947-70E740481C1C}">
+                <a14:useLocalDpi xmlns:a14="http://schemas.microsoft.com/office/drawing/2010/main" val="0"/>
+              </a:ext>
+            </a:extLst>
+          </a:blip>
+          <a:stretch>
+            <a:fillRect/>
+          </a:stretch>
+        </p:blipFill>
+        <p:spPr>
+          <a:xfrm>
+            <a:off x="-1" y="800098"/>
+            <a:ext cx="12203265" cy="6057901"/>
+          </a:xfrm>
+          <a:prstGeom prst="rect">
+            <a:avLst/>
+          </a:prstGeom>
+        </p:spPr>
+      </p:pic>
+      <p:sp>
+        <p:nvSpPr>
+          <p:cNvPr id="3" name="직사각형 2"/>
+          <p:cNvSpPr/>
+          <p:nvPr/>
+        </p:nvSpPr>
+        <p:spPr>
+          <a:xfrm>
+            <a:off x="329514" y="2150076"/>
+            <a:ext cx="1993556" cy="1441621"/>
+          </a:xfrm>
+          <a:prstGeom prst="rect">
+            <a:avLst/>
+          </a:prstGeom>
+          <a:noFill/>
+          <a:ln w="38100">
+            <a:solidFill>
+              <a:srgbClr val="FF0000"/>
+            </a:solidFill>
+          </a:ln>
+        </p:spPr>
+        <p:style>
+          <a:lnRef idx="2">
+            <a:schemeClr val="accent1">
+              <a:shade val="50000"/>
+            </a:schemeClr>
+          </a:lnRef>
+          <a:fillRef idx="1">
+            <a:schemeClr val="accent1"/>
+          </a:fillRef>
+          <a:effectRef idx="0">
+            <a:schemeClr val="accent1"/>
+          </a:effectRef>
+          <a:fontRef idx="minor">
+            <a:schemeClr val="lt1"/>
+          </a:fontRef>
+        </p:style>
+        <p:txBody>
+          <a:bodyPr rtlCol="0" anchor="ctr"/>
+          <a:lstStyle/>
+          <a:p>
+            <a:pPr algn="ctr"/>
+            <a:endParaRPr lang="ko-KR" altLang="en-US"/>
+          </a:p>
+        </p:txBody>
+      </p:sp>
+    </p:spTree>
+    <p:extLst>
+      <p:ext uri="{BB962C8B-B14F-4D97-AF65-F5344CB8AC3E}">
+        <p14:creationId xmlns:p14="http://schemas.microsoft.com/office/powerpoint/2010/main" val="1408224472"/>
+      </p:ext>
+    </p:extLst>
+  </p:cSld>
+  <p:clrMapOvr>
+    <a:masterClrMapping/>
+  </p:clrMapOvr>
+</p:sld>
+</file>
+
+<file path=ppt/slides/slide8.xml><?xml version="1.0" encoding="utf-8"?>
+<p:sld xmlns:a="http://schemas.openxmlformats.org/drawingml/2006/main" xmlns:r="http://schemas.openxmlformats.org/officeDocument/2006/relationships" xmlns:p="http://schemas.openxmlformats.org/presentationml/2006/main">
+  <p:cSld>
+    <p:spTree>
+      <p:nvGrpSpPr>
+        <p:cNvPr id="1" name=""/>
+        <p:cNvGrpSpPr/>
+        <p:nvPr/>
+      </p:nvGrpSpPr>
+      <p:grpSpPr>
+        <a:xfrm>
+          <a:off x="0" y="0"/>
+          <a:ext cx="0" cy="0"/>
+          <a:chOff x="0" y="0"/>
+          <a:chExt cx="0" cy="0"/>
+        </a:xfrm>
+      </p:grpSpPr>
+      <p:sp>
+        <p:nvSpPr>
+          <p:cNvPr id="13" name="직사각형 12"/>
+          <p:cNvSpPr/>
+          <p:nvPr/>
+        </p:nvSpPr>
+        <p:spPr>
+          <a:xfrm>
+            <a:off x="0" y="0"/>
+            <a:ext cx="12192000" cy="800100"/>
+          </a:xfrm>
+          <a:prstGeom prst="rect">
+            <a:avLst/>
+          </a:prstGeom>
+          <a:solidFill>
+            <a:srgbClr val="152B39"/>
+          </a:solidFill>
+          <a:ln>
+            <a:noFill/>
+          </a:ln>
+        </p:spPr>
+        <p:style>
+          <a:lnRef idx="2">
+            <a:schemeClr val="accent1">
+              <a:shade val="50000"/>
+            </a:schemeClr>
+          </a:lnRef>
+          <a:fillRef idx="1">
+            <a:schemeClr val="accent1"/>
+          </a:fillRef>
+          <a:effectRef idx="0">
+            <a:schemeClr val="accent1"/>
+          </a:effectRef>
+          <a:fontRef idx="minor">
+            <a:schemeClr val="lt1"/>
+          </a:fontRef>
+        </p:style>
+        <p:txBody>
+          <a:bodyPr rtlCol="0" anchor="ctr"/>
+          <a:lstStyle/>
+          <a:p>
+            <a:pPr algn="ctr"/>
+            <a:endParaRPr lang="ko-KR" altLang="en-US"/>
+          </a:p>
+        </p:txBody>
+      </p:sp>
+      <p:sp>
+        <p:nvSpPr>
+          <p:cNvPr id="15" name="TextBox 14"/>
+          <p:cNvSpPr txBox="1"/>
+          <p:nvPr/>
+        </p:nvSpPr>
+        <p:spPr>
+          <a:xfrm>
+            <a:off x="224642" y="107662"/>
+            <a:ext cx="7136278" cy="584775"/>
+          </a:xfrm>
+          <a:prstGeom prst="rect">
+            <a:avLst/>
+          </a:prstGeom>
+          <a:noFill/>
+        </p:spPr>
+        <p:txBody>
+          <a:bodyPr wrap="square" rtlCol="0">
+            <a:spAutoFit/>
+          </a:bodyPr>
+          <a:lstStyle/>
+          <a:p>
+            <a:r>
+              <a:rPr lang="ko-KR" altLang="en-US" sz="3200" dirty="0" smtClean="0">
+                <a:ln>
+                  <a:solidFill>
+                    <a:schemeClr val="bg1">
+                      <a:alpha val="15000"/>
+                    </a:schemeClr>
+                  </a:solidFill>
+                </a:ln>
+                <a:solidFill>
+                  <a:schemeClr val="bg1"/>
+                </a:solidFill>
+                <a:latin typeface="KoPub돋움체 Medium" panose="00000600000000000000" pitchFamily="2" charset="-127"/>
+                <a:ea typeface="KoPub돋움체 Medium" panose="00000600000000000000" pitchFamily="2" charset="-127"/>
+              </a:rPr>
+              <a:t>화면</a:t>
+            </a:r>
+            <a:r>
+              <a:rPr lang="en-US" altLang="ko-KR" sz="3200" dirty="0" smtClean="0">
+                <a:ln>
+                  <a:solidFill>
+                    <a:schemeClr val="bg1">
+                      <a:alpha val="15000"/>
+                    </a:schemeClr>
+                  </a:solidFill>
+                </a:ln>
+                <a:solidFill>
+                  <a:schemeClr val="bg1"/>
+                </a:solidFill>
+                <a:latin typeface="KoPub돋움체 Medium" panose="00000600000000000000" pitchFamily="2" charset="-127"/>
+                <a:ea typeface="KoPub돋움체 Medium" panose="00000600000000000000" pitchFamily="2" charset="-127"/>
+              </a:rPr>
+              <a:t>_02</a:t>
+            </a:r>
+            <a:endParaRPr lang="ko-KR" altLang="en-US" sz="3200" dirty="0">
+              <a:ln>
+                <a:solidFill>
+                  <a:schemeClr val="bg1">
+                    <a:alpha val="15000"/>
+                  </a:schemeClr>
+                </a:solidFill>
+              </a:ln>
+              <a:solidFill>
+                <a:schemeClr val="bg1"/>
+              </a:solidFill>
+              <a:latin typeface="KoPub돋움체 Medium" panose="00000600000000000000" pitchFamily="2" charset="-127"/>
+              <a:ea typeface="KoPub돋움체 Medium" panose="00000600000000000000" pitchFamily="2" charset="-127"/>
+            </a:endParaRPr>
+          </a:p>
+        </p:txBody>
+      </p:sp>
+      <p:pic>
+        <p:nvPicPr>
+          <p:cNvPr id="2" name="그림 1"/>
+          <p:cNvPicPr>
+            <a:picLocks noChangeAspect="1"/>
+          </p:cNvPicPr>
+          <p:nvPr/>
+        </p:nvPicPr>
+        <p:blipFill>
+          <a:blip r:embed="rId2">
+            <a:extLst>
+              <a:ext uri="{28A0092B-C50C-407E-A947-70E740481C1C}">
+                <a14:useLocalDpi xmlns:a14="http://schemas.microsoft.com/office/drawing/2010/main" val="0"/>
+              </a:ext>
+            </a:extLst>
+          </a:blip>
+          <a:stretch>
+            <a:fillRect/>
+          </a:stretch>
+        </p:blipFill>
+        <p:spPr>
+          <a:xfrm>
+            <a:off x="-1" y="800099"/>
+            <a:ext cx="12192001" cy="6061879"/>
+          </a:xfrm>
+          <a:prstGeom prst="rect">
+            <a:avLst/>
+          </a:prstGeom>
+        </p:spPr>
+      </p:pic>
+      <p:sp>
+        <p:nvSpPr>
+          <p:cNvPr id="6" name="직사각형 5"/>
+          <p:cNvSpPr/>
+          <p:nvPr/>
+        </p:nvSpPr>
+        <p:spPr>
+          <a:xfrm>
+            <a:off x="1087395" y="2150077"/>
+            <a:ext cx="733168" cy="609600"/>
+          </a:xfrm>
+          <a:prstGeom prst="rect">
+            <a:avLst/>
+          </a:prstGeom>
+          <a:noFill/>
+          <a:ln w="38100">
+            <a:solidFill>
+              <a:srgbClr val="FF0000"/>
+            </a:solidFill>
+          </a:ln>
+        </p:spPr>
+        <p:style>
+          <a:lnRef idx="2">
+            <a:schemeClr val="accent1">
+              <a:shade val="50000"/>
+            </a:schemeClr>
+          </a:lnRef>
+          <a:fillRef idx="1">
+            <a:schemeClr val="accent1"/>
+          </a:fillRef>
+          <a:effectRef idx="0">
+            <a:schemeClr val="accent1"/>
+          </a:effectRef>
+          <a:fontRef idx="minor">
+            <a:schemeClr val="lt1"/>
+          </a:fontRef>
+        </p:style>
+        <p:txBody>
+          <a:bodyPr rtlCol="0" anchor="ctr"/>
+          <a:lstStyle/>
+          <a:p>
+            <a:pPr algn="ctr"/>
+            <a:endParaRPr lang="ko-KR" altLang="en-US"/>
+          </a:p>
+        </p:txBody>
+      </p:sp>
+      <p:sp>
+        <p:nvSpPr>
+          <p:cNvPr id="7" name="직사각형 6"/>
+          <p:cNvSpPr/>
+          <p:nvPr/>
+        </p:nvSpPr>
+        <p:spPr>
+          <a:xfrm>
+            <a:off x="370703" y="1499286"/>
+            <a:ext cx="1565190" cy="403655"/>
+          </a:xfrm>
+          <a:prstGeom prst="rect">
+            <a:avLst/>
+          </a:prstGeom>
+          <a:noFill/>
+          <a:ln w="38100">
+            <a:solidFill>
+              <a:srgbClr val="FF0000"/>
+            </a:solidFill>
+          </a:ln>
+        </p:spPr>
+        <p:style>
+          <a:lnRef idx="2">
+            <a:schemeClr val="accent1">
+              <a:shade val="50000"/>
+            </a:schemeClr>
+          </a:lnRef>
+          <a:fillRef idx="1">
+            <a:schemeClr val="accent1"/>
+          </a:fillRef>
+          <a:effectRef idx="0">
+            <a:schemeClr val="accent1"/>
+          </a:effectRef>
+          <a:fontRef idx="minor">
+            <a:schemeClr val="lt1"/>
+          </a:fontRef>
+        </p:style>
+        <p:txBody>
+          <a:bodyPr rtlCol="0" anchor="ctr"/>
+          <a:lstStyle/>
+          <a:p>
+            <a:pPr algn="ctr"/>
+            <a:endParaRPr lang="ko-KR" altLang="en-US"/>
+          </a:p>
+        </p:txBody>
+      </p:sp>
+      <p:sp>
+        <p:nvSpPr>
+          <p:cNvPr id="8" name="직사각형 7"/>
+          <p:cNvSpPr/>
+          <p:nvPr/>
+        </p:nvSpPr>
+        <p:spPr>
+          <a:xfrm>
+            <a:off x="2154195" y="1499286"/>
+            <a:ext cx="934994" cy="403655"/>
+          </a:xfrm>
+          <a:prstGeom prst="rect">
+            <a:avLst/>
+          </a:prstGeom>
+          <a:noFill/>
+          <a:ln w="38100">
+            <a:solidFill>
+              <a:srgbClr val="FF0000"/>
+            </a:solidFill>
+          </a:ln>
+        </p:spPr>
+        <p:style>
+          <a:lnRef idx="2">
+            <a:schemeClr val="accent1">
+              <a:shade val="50000"/>
+            </a:schemeClr>
+          </a:lnRef>
+          <a:fillRef idx="1">
+            <a:schemeClr val="accent1"/>
+          </a:fillRef>
+          <a:effectRef idx="0">
+            <a:schemeClr val="accent1"/>
+          </a:effectRef>
+          <a:fontRef idx="minor">
+            <a:schemeClr val="lt1"/>
+          </a:fontRef>
+        </p:style>
+        <p:txBody>
+          <a:bodyPr rtlCol="0" anchor="ctr"/>
+          <a:lstStyle/>
+          <a:p>
+            <a:pPr algn="ctr"/>
+            <a:endParaRPr lang="ko-KR" altLang="en-US"/>
+          </a:p>
+        </p:txBody>
+      </p:sp>
+    </p:spTree>
+    <p:extLst>
+      <p:ext uri="{BB962C8B-B14F-4D97-AF65-F5344CB8AC3E}">
+        <p14:creationId xmlns:p14="http://schemas.microsoft.com/office/powerpoint/2010/main" val="2354747164"/>
+      </p:ext>
+    </p:extLst>
+  </p:cSld>
+  <p:clrMapOvr>
+    <a:masterClrMapping/>
+  </p:clrMapOvr>
+</p:sld>
+</file>
+
+<file path=ppt/slides/slide9.xml><?xml version="1.0" encoding="utf-8"?>
+<p:sld xmlns:a="http://schemas.openxmlformats.org/drawingml/2006/main" xmlns:r="http://schemas.openxmlformats.org/officeDocument/2006/relationships" xmlns:p="http://schemas.openxmlformats.org/presentationml/2006/main">
+  <p:cSld>
+    <p:spTree>
+      <p:nvGrpSpPr>
+        <p:cNvPr id="1" name=""/>
+        <p:cNvGrpSpPr/>
+        <p:nvPr/>
+      </p:nvGrpSpPr>
+      <p:grpSpPr>
+        <a:xfrm>
+          <a:off x="0" y="0"/>
+          <a:ext cx="0" cy="0"/>
+          <a:chOff x="0" y="0"/>
+          <a:chExt cx="0" cy="0"/>
+        </a:xfrm>
+      </p:grpSpPr>
+      <p:sp>
+        <p:nvSpPr>
+          <p:cNvPr id="13" name="직사각형 12"/>
+          <p:cNvSpPr/>
+          <p:nvPr/>
+        </p:nvSpPr>
+        <p:spPr>
+          <a:xfrm>
             <a:off x="0" y="3400426"/>
             <a:ext cx="12192000" cy="3457574"/>
           </a:xfrm>
